--- a/Artefato 20 - Modelo conceitual de negócio .pptx
+++ b/Artefato 20 - Modelo conceitual de negócio .pptx
@@ -104,6 +104,11 @@
       </a:defRPr>
     </a:lvl9pPr>
   </p:defaultTextStyle>
+  <p:extLst>
+    <p:ext uri="{EFAFB233-063F-42B5-8137-9DF3F51BA10A}">
+      <p15:sldGuideLst xmlns:p15="http://schemas.microsoft.com/office/powerpoint/2012/main"/>
+    </p:ext>
+  </p:extLst>
 </p:presentation>
 </file>
 
@@ -254,7 +259,7 @@
           <a:p>
             <a:fld id="{C059C00E-9544-4C3B-A9DB-F5E3299B9A57}" type="datetimeFigureOut">
               <a:rPr lang="pt-BR" smtClean="0"/>
-              <a:t>22/10/2020</a:t>
+              <a:t>10/11/2020</a:t>
             </a:fld>
             <a:endParaRPr lang="pt-BR"/>
           </a:p>
@@ -452,7 +457,7 @@
           <a:p>
             <a:fld id="{C059C00E-9544-4C3B-A9DB-F5E3299B9A57}" type="datetimeFigureOut">
               <a:rPr lang="pt-BR" smtClean="0"/>
-              <a:t>22/10/2020</a:t>
+              <a:t>10/11/2020</a:t>
             </a:fld>
             <a:endParaRPr lang="pt-BR"/>
           </a:p>
@@ -660,7 +665,7 @@
           <a:p>
             <a:fld id="{C059C00E-9544-4C3B-A9DB-F5E3299B9A57}" type="datetimeFigureOut">
               <a:rPr lang="pt-BR" smtClean="0"/>
-              <a:t>22/10/2020</a:t>
+              <a:t>10/11/2020</a:t>
             </a:fld>
             <a:endParaRPr lang="pt-BR"/>
           </a:p>
@@ -858,7 +863,7 @@
           <a:p>
             <a:fld id="{C059C00E-9544-4C3B-A9DB-F5E3299B9A57}" type="datetimeFigureOut">
               <a:rPr lang="pt-BR" smtClean="0"/>
-              <a:t>22/10/2020</a:t>
+              <a:t>10/11/2020</a:t>
             </a:fld>
             <a:endParaRPr lang="pt-BR"/>
           </a:p>
@@ -1133,7 +1138,7 @@
           <a:p>
             <a:fld id="{C059C00E-9544-4C3B-A9DB-F5E3299B9A57}" type="datetimeFigureOut">
               <a:rPr lang="pt-BR" smtClean="0"/>
-              <a:t>22/10/2020</a:t>
+              <a:t>10/11/2020</a:t>
             </a:fld>
             <a:endParaRPr lang="pt-BR"/>
           </a:p>
@@ -1398,7 +1403,7 @@
           <a:p>
             <a:fld id="{C059C00E-9544-4C3B-A9DB-F5E3299B9A57}" type="datetimeFigureOut">
               <a:rPr lang="pt-BR" smtClean="0"/>
-              <a:t>22/10/2020</a:t>
+              <a:t>10/11/2020</a:t>
             </a:fld>
             <a:endParaRPr lang="pt-BR"/>
           </a:p>
@@ -1810,7 +1815,7 @@
           <a:p>
             <a:fld id="{C059C00E-9544-4C3B-A9DB-F5E3299B9A57}" type="datetimeFigureOut">
               <a:rPr lang="pt-BR" smtClean="0"/>
-              <a:t>22/10/2020</a:t>
+              <a:t>10/11/2020</a:t>
             </a:fld>
             <a:endParaRPr lang="pt-BR"/>
           </a:p>
@@ -1951,7 +1956,7 @@
           <a:p>
             <a:fld id="{C059C00E-9544-4C3B-A9DB-F5E3299B9A57}" type="datetimeFigureOut">
               <a:rPr lang="pt-BR" smtClean="0"/>
-              <a:t>22/10/2020</a:t>
+              <a:t>10/11/2020</a:t>
             </a:fld>
             <a:endParaRPr lang="pt-BR"/>
           </a:p>
@@ -2064,7 +2069,7 @@
           <a:p>
             <a:fld id="{C059C00E-9544-4C3B-A9DB-F5E3299B9A57}" type="datetimeFigureOut">
               <a:rPr lang="pt-BR" smtClean="0"/>
-              <a:t>22/10/2020</a:t>
+              <a:t>10/11/2020</a:t>
             </a:fld>
             <a:endParaRPr lang="pt-BR"/>
           </a:p>
@@ -2375,7 +2380,7 @@
           <a:p>
             <a:fld id="{C059C00E-9544-4C3B-A9DB-F5E3299B9A57}" type="datetimeFigureOut">
               <a:rPr lang="pt-BR" smtClean="0"/>
-              <a:t>22/10/2020</a:t>
+              <a:t>10/11/2020</a:t>
             </a:fld>
             <a:endParaRPr lang="pt-BR"/>
           </a:p>
@@ -2663,7 +2668,7 @@
           <a:p>
             <a:fld id="{C059C00E-9544-4C3B-A9DB-F5E3299B9A57}" type="datetimeFigureOut">
               <a:rPr lang="pt-BR" smtClean="0"/>
-              <a:t>22/10/2020</a:t>
+              <a:t>10/11/2020</a:t>
             </a:fld>
             <a:endParaRPr lang="pt-BR"/>
           </a:p>
@@ -2904,7 +2909,7 @@
           <a:p>
             <a:fld id="{C059C00E-9544-4C3B-A9DB-F5E3299B9A57}" type="datetimeFigureOut">
               <a:rPr lang="pt-BR" smtClean="0"/>
-              <a:t>22/10/2020</a:t>
+              <a:t>10/11/2020</a:t>
             </a:fld>
             <a:endParaRPr lang="pt-BR"/>
           </a:p>
@@ -3354,10 +3359,10 @@
       </p:sp>
       <p:pic>
         <p:nvPicPr>
-          <p:cNvPr id="7" name="Espaço Reservado para Conteúdo 6">
-            <a:extLst>
-              <a:ext uri="{FF2B5EF4-FFF2-40B4-BE49-F238E27FC236}">
-                <a16:creationId xmlns:a16="http://schemas.microsoft.com/office/drawing/2014/main" id="{63C25A40-71E2-4376-B554-A1903D21EA47}"/>
+          <p:cNvPr id="8" name="Espaço Reservado para Conteúdo 7">
+            <a:extLst>
+              <a:ext uri="{FF2B5EF4-FFF2-40B4-BE49-F238E27FC236}">
+                <a16:creationId xmlns:a16="http://schemas.microsoft.com/office/drawing/2014/main" id="{D6E56CD5-B66A-492D-B785-AC12DFCB637A}"/>
               </a:ext>
             </a:extLst>
           </p:cNvPr>
@@ -3376,8 +3381,8 @@
         </p:blipFill>
         <p:spPr>
           <a:xfrm>
-            <a:off x="3390900" y="1905794"/>
-            <a:ext cx="5410200" cy="4191000"/>
+            <a:off x="3571875" y="1924844"/>
+            <a:ext cx="5048250" cy="4152900"/>
           </a:xfrm>
           <a:prstGeom prst="rect">
             <a:avLst/>
